--- a/images/wave_banners/labsafety.pptx
+++ b/images/wave_banners/labsafety.pptx
@@ -104,6 +104,11 @@
       </a:defRPr>
     </a:lvl9pPr>
   </p:defaultTextStyle>
+  <p:extLst>
+    <p:ext uri="{EFAFB233-063F-42B5-8137-9DF3F51BA10A}">
+      <p15:sldGuideLst xmlns:p15="http://schemas.microsoft.com/office/powerpoint/2012/main"/>
+    </p:ext>
+  </p:extLst>
 </p:presentation>
 </file>
 
@@ -2986,7 +2991,7 @@
         <p:spPr>
           <a:xfrm flipH="1">
             <a:off x="0" y="3590294"/>
-            <a:ext cx="12192000" cy="1052044"/>
+            <a:ext cx="11254154" cy="1052044"/>
           </a:xfrm>
           <a:prstGeom prst="rect">
             <a:avLst/>
@@ -3031,8 +3036,8 @@
         </p:nvSpPr>
         <p:spPr>
           <a:xfrm>
-            <a:off x="1828800" y="3914008"/>
-            <a:ext cx="1635384" cy="461665"/>
+            <a:off x="1786597" y="3883231"/>
+            <a:ext cx="1877437" cy="523220"/>
           </a:xfrm>
           <a:prstGeom prst="rect">
             <a:avLst/>
@@ -3046,11 +3051,11 @@
           <a:lstStyle/>
           <a:p>
             <a:r>
-              <a:rPr lang="en-US" sz="2400" dirty="0" smtClean="0">
+              <a:rPr lang="en-US" sz="2800" dirty="0" smtClean="0">
                 <a:solidFill>
                   <a:schemeClr val="accent4">
-                    <a:lumMod val="40000"/>
-                    <a:lumOff val="60000"/>
+                    <a:lumMod val="60000"/>
+                    <a:lumOff val="40000"/>
                   </a:schemeClr>
                 </a:solidFill>
                 <a:latin typeface="Adobe Fan Heiti Std B" panose="020B0700000000000000" pitchFamily="34" charset="-128"/>
@@ -3058,11 +3063,11 @@
               </a:rPr>
               <a:t>Lab Safety</a:t>
             </a:r>
-            <a:endParaRPr lang="en-US" sz="2400" dirty="0">
+            <a:endParaRPr lang="en-US" sz="2800" dirty="0">
               <a:solidFill>
                 <a:schemeClr val="accent4">
-                  <a:lumMod val="40000"/>
-                  <a:lumOff val="60000"/>
+                  <a:lumMod val="60000"/>
+                  <a:lumOff val="40000"/>
                 </a:schemeClr>
               </a:solidFill>
               <a:latin typeface="Adobe Fan Heiti Std B" panose="020B0700000000000000" pitchFamily="34" charset="-128"/>
